--- a/Проект_№5_Шиваникова.pptx
+++ b/Проект_№5_Шиваникова.pptx
@@ -5,7 +5,7 @@
     <p:sldMasterId id="2147483648" r:id="rId1"/>
   </p:sldMasterIdLst>
   <p:notesMasterIdLst>
-    <p:notesMasterId r:id="rId9"/>
+    <p:notesMasterId r:id="rId10"/>
   </p:notesMasterIdLst>
   <p:sldIdLst>
     <p:sldId id="256" r:id="rId2"/>
@@ -14,7 +14,8 @@
     <p:sldId id="262" r:id="rId5"/>
     <p:sldId id="263" r:id="rId6"/>
     <p:sldId id="264" r:id="rId7"/>
-    <p:sldId id="265" r:id="rId8"/>
+    <p:sldId id="266" r:id="rId8"/>
+    <p:sldId id="265" r:id="rId9"/>
   </p:sldIdLst>
   <p:sldSz cx="12192000" cy="6858000"/>
   <p:notesSz cx="6858000" cy="9144000"/>
@@ -703,7 +704,7 @@
           <a:p>
             <a:fld id="{82CB3D51-B7BC-420A-AEB1-FCDCEAE9F904}" type="slidenum">
               <a:rPr lang="en-US" smtClean="0"/>
-              <a:t>7</a:t>
+              <a:t>8</a:t>
             </a:fld>
             <a:endParaRPr lang="en-US"/>
           </a:p>
@@ -4174,7 +4175,7 @@
         </p:blipFill>
         <p:spPr>
           <a:xfrm>
-            <a:off x="9167" y="0"/>
+            <a:off x="-18474" y="0"/>
             <a:ext cx="683492" cy="6858000"/>
           </a:xfrm>
           <a:prstGeom prst="rect">
@@ -5274,7 +5275,7 @@
         </p:blipFill>
         <p:spPr>
           <a:xfrm>
-            <a:off x="8245" y="0"/>
+            <a:off x="-1" y="0"/>
             <a:ext cx="682752" cy="6858000"/>
           </a:xfrm>
           <a:prstGeom prst="rect">
@@ -6299,7 +6300,7 @@
                   <a:srgbClr val="1B0135"/>
                 </a:solidFill>
               </a:rPr>
-              <a:t>   - минимальное значение: 0</a:t>
+              <a:t>   - минимальное значение: 0,01</a:t>
             </a:r>
           </a:p>
           <a:p>
@@ -6496,81 +6497,8 @@
         </p:blipFill>
         <p:spPr>
           <a:xfrm>
-            <a:off x="8725976" y="503918"/>
+            <a:off x="8725976" y="4154335"/>
             <a:ext cx="3109655" cy="2534193"/>
-          </a:xfrm>
-          <a:prstGeom prst="rect">
-            <a:avLst/>
-          </a:prstGeom>
-        </p:spPr>
-      </p:pic>
-      <p:sp>
-        <p:nvSpPr>
-          <p:cNvPr id="13" name="TextBox 12">
-            <a:extLst>
-              <a:ext uri="{FF2B5EF4-FFF2-40B4-BE49-F238E27FC236}">
-                <a16:creationId xmlns:a16="http://schemas.microsoft.com/office/drawing/2014/main" id="{9D37192F-7448-4052-9DB1-D466D1A1887E}"/>
-              </a:ext>
-            </a:extLst>
-          </p:cNvPr>
-          <p:cNvSpPr txBox="1"/>
-          <p:nvPr/>
-        </p:nvSpPr>
-        <p:spPr>
-          <a:xfrm>
-            <a:off x="8639296" y="3248542"/>
-            <a:ext cx="3196335" cy="830997"/>
-          </a:xfrm>
-          <a:prstGeom prst="rect">
-            <a:avLst/>
-          </a:prstGeom>
-          <a:noFill/>
-        </p:spPr>
-        <p:txBody>
-          <a:bodyPr wrap="square" rtlCol="0">
-            <a:spAutoFit/>
-          </a:bodyPr>
-          <a:lstStyle/>
-          <a:p>
-            <a:r>
-              <a:rPr lang="ru-RU" sz="1600" dirty="0">
-                <a:solidFill>
-                  <a:srgbClr val="1B0135"/>
-                </a:solidFill>
-              </a:rPr>
-              <a:t>Средние значения пройденного расстояния и размера чаевых в каждой группе пассажиров</a:t>
-            </a:r>
-            <a:endParaRPr lang="en-US" sz="1600" dirty="0">
-              <a:solidFill>
-                <a:srgbClr val="1B0135"/>
-              </a:solidFill>
-            </a:endParaRPr>
-          </a:p>
-        </p:txBody>
-      </p:sp>
-      <p:pic>
-        <p:nvPicPr>
-          <p:cNvPr id="15" name="Picture 14">
-            <a:extLst>
-              <a:ext uri="{FF2B5EF4-FFF2-40B4-BE49-F238E27FC236}">
-                <a16:creationId xmlns:a16="http://schemas.microsoft.com/office/drawing/2014/main" id="{9B44AC98-6EC5-44E5-B56F-C0D56A8AAB52}"/>
-              </a:ext>
-            </a:extLst>
-          </p:cNvPr>
-          <p:cNvPicPr>
-            <a:picLocks noChangeAspect="1"/>
-          </p:cNvPicPr>
-          <p:nvPr/>
-        </p:nvPicPr>
-        <p:blipFill rotWithShape="1">
-          <a:blip r:embed="rId6"/>
-          <a:srcRect l="26177" t="31372" r="57647" b="44706"/>
-          <a:stretch/>
-        </p:blipFill>
-        <p:spPr>
-          <a:xfrm>
-            <a:off x="8725976" y="4139738"/>
-            <a:ext cx="3046571" cy="2534193"/>
           </a:xfrm>
           <a:prstGeom prst="rect">
             <a:avLst/>
@@ -6592,7 +6520,7 @@
           <p:nvPr/>
         </p:nvPicPr>
         <p:blipFill>
-          <a:blip r:embed="rId7"/>
+          <a:blip r:embed="rId6"/>
           <a:stretch>
             <a:fillRect/>
           </a:stretch>
@@ -6621,7 +6549,7 @@
         </p:nvSpPr>
         <p:spPr>
           <a:xfrm>
-            <a:off x="8725976" y="105165"/>
+            <a:off x="8764223" y="3344337"/>
             <a:ext cx="3109655" cy="338554"/>
           </a:xfrm>
           <a:prstGeom prst="rect">
@@ -6746,10 +6674,40 @@
       </p:grpSpPr>
       <p:pic>
         <p:nvPicPr>
-          <p:cNvPr id="9" name="Picture 8">
-            <a:extLst>
-              <a:ext uri="{FF2B5EF4-FFF2-40B4-BE49-F238E27FC236}">
-                <a16:creationId xmlns:a16="http://schemas.microsoft.com/office/drawing/2014/main" id="{50373A1F-405C-4F7B-8349-CECB4DE7F815}"/>
+          <p:cNvPr id="2" name="Picture 1">
+            <a:extLst>
+              <a:ext uri="{FF2B5EF4-FFF2-40B4-BE49-F238E27FC236}">
+                <a16:creationId xmlns:a16="http://schemas.microsoft.com/office/drawing/2014/main" id="{E68A20BD-A62C-4371-A5ED-8D2C722E1261}"/>
+              </a:ext>
+            </a:extLst>
+          </p:cNvPr>
+          <p:cNvPicPr>
+            <a:picLocks noChangeAspect="1"/>
+          </p:cNvPicPr>
+          <p:nvPr/>
+        </p:nvPicPr>
+        <p:blipFill>
+          <a:blip r:embed="rId2"/>
+          <a:stretch>
+            <a:fillRect/>
+          </a:stretch>
+        </p:blipFill>
+        <p:spPr>
+          <a:xfrm>
+            <a:off x="0" y="0"/>
+            <a:ext cx="12192000" cy="6857999"/>
+          </a:xfrm>
+          <a:prstGeom prst="rect">
+            <a:avLst/>
+          </a:prstGeom>
+        </p:spPr>
+      </p:pic>
+      <p:pic>
+        <p:nvPicPr>
+          <p:cNvPr id="3" name="Picture 2">
+            <a:extLst>
+              <a:ext uri="{FF2B5EF4-FFF2-40B4-BE49-F238E27FC236}">
+                <a16:creationId xmlns:a16="http://schemas.microsoft.com/office/drawing/2014/main" id="{731A882F-E405-4FD6-976A-F304217D9AC7}"/>
               </a:ext>
             </a:extLst>
           </p:cNvPr>
@@ -6766,74 +6724,20 @@
         </p:blipFill>
         <p:spPr>
           <a:xfrm>
-            <a:off x="0" y="0"/>
-            <a:ext cx="12192000" cy="6857999"/>
+            <a:off x="0" y="-1"/>
+            <a:ext cx="682752" cy="6858000"/>
           </a:xfrm>
           <a:prstGeom prst="rect">
             <a:avLst/>
           </a:prstGeom>
         </p:spPr>
       </p:pic>
-      <p:sp>
-        <p:nvSpPr>
-          <p:cNvPr id="5" name="TextBox 4">
-            <a:extLst>
-              <a:ext uri="{FF2B5EF4-FFF2-40B4-BE49-F238E27FC236}">
-                <a16:creationId xmlns:a16="http://schemas.microsoft.com/office/drawing/2014/main" id="{66C54240-C7E9-48A2-BB06-E9BD64676E7C}"/>
-              </a:ext>
-            </a:extLst>
-          </p:cNvPr>
-          <p:cNvSpPr txBox="1"/>
-          <p:nvPr/>
-        </p:nvSpPr>
-        <p:spPr>
-          <a:xfrm>
-            <a:off x="3842327" y="138951"/>
-            <a:ext cx="8257309" cy="584775"/>
-          </a:xfrm>
-          <a:prstGeom prst="rect">
-            <a:avLst/>
-          </a:prstGeom>
-          <a:noFill/>
-        </p:spPr>
-        <p:txBody>
-          <a:bodyPr wrap="square" rtlCol="0">
-            <a:spAutoFit/>
-          </a:bodyPr>
-          <a:lstStyle/>
-          <a:p>
-            <a:r>
-              <a:rPr lang="ru-RU" sz="1600" b="1" dirty="0">
-                <a:solidFill>
-                  <a:srgbClr val="1B0135"/>
-                </a:solidFill>
-              </a:rPr>
-              <a:t>Все поездки распределены на группы, в зависимости от пройденного расстояния.</a:t>
-            </a:r>
-          </a:p>
-          <a:p>
-            <a:r>
-              <a:rPr lang="ru-RU" sz="1600" b="1" dirty="0">
-                <a:solidFill>
-                  <a:srgbClr val="1B0135"/>
-                </a:solidFill>
-              </a:rPr>
-              <a:t>Для визуализации полученных значений построена тепловая карта</a:t>
-            </a:r>
-            <a:endParaRPr lang="en-US" sz="1600" b="1" dirty="0">
-              <a:solidFill>
-                <a:srgbClr val="1B0135"/>
-              </a:solidFill>
-            </a:endParaRPr>
-          </a:p>
-        </p:txBody>
-      </p:sp>
       <p:pic>
         <p:nvPicPr>
-          <p:cNvPr id="7" name="Picture 6">
-            <a:extLst>
-              <a:ext uri="{FF2B5EF4-FFF2-40B4-BE49-F238E27FC236}">
-                <a16:creationId xmlns:a16="http://schemas.microsoft.com/office/drawing/2014/main" id="{6EAE26DD-8F27-4AB0-92F0-2E44D1BA4316}"/>
+          <p:cNvPr id="4" name="Picture 3">
+            <a:extLst>
+              <a:ext uri="{FF2B5EF4-FFF2-40B4-BE49-F238E27FC236}">
+                <a16:creationId xmlns:a16="http://schemas.microsoft.com/office/drawing/2014/main" id="{B4851F0E-ADD9-4645-BDD6-0FF6CD7DBAAE}"/>
               </a:ext>
             </a:extLst>
           </p:cNvPr>
@@ -6842,162 +6746,28 @@
           </p:cNvPicPr>
           <p:nvPr/>
         </p:nvPicPr>
-        <p:blipFill rotWithShape="1">
+        <p:blipFill>
           <a:blip r:embed="rId4"/>
-          <a:srcRect l="26617" t="33974" r="23775" b="13941"/>
-          <a:stretch/>
+          <a:stretch>
+            <a:fillRect/>
+          </a:stretch>
         </p:blipFill>
         <p:spPr>
           <a:xfrm>
-            <a:off x="3621740" y="1126836"/>
-            <a:ext cx="8570260" cy="5061528"/>
+            <a:off x="961023" y="2160920"/>
+            <a:ext cx="4857071" cy="4041083"/>
           </a:xfrm>
           <a:prstGeom prst="rect">
             <a:avLst/>
           </a:prstGeom>
         </p:spPr>
       </p:pic>
-      <p:sp>
-        <p:nvSpPr>
-          <p:cNvPr id="8" name="TextBox 7">
-            <a:extLst>
-              <a:ext uri="{FF2B5EF4-FFF2-40B4-BE49-F238E27FC236}">
-                <a16:creationId xmlns:a16="http://schemas.microsoft.com/office/drawing/2014/main" id="{9909D1CF-E750-4D33-B2BE-9A6736FF4EDF}"/>
-              </a:ext>
-            </a:extLst>
-          </p:cNvPr>
-          <p:cNvSpPr txBox="1"/>
-          <p:nvPr/>
-        </p:nvSpPr>
-        <p:spPr>
-          <a:xfrm>
-            <a:off x="701963" y="-62930"/>
-            <a:ext cx="2827413" cy="6832640"/>
-          </a:xfrm>
-          <a:prstGeom prst="rect">
-            <a:avLst/>
-          </a:prstGeom>
-          <a:noFill/>
-        </p:spPr>
-        <p:txBody>
-          <a:bodyPr wrap="square" rtlCol="0">
-            <a:spAutoFit/>
-          </a:bodyPr>
-          <a:lstStyle/>
-          <a:p>
-            <a:r>
-              <a:rPr lang="ru-RU" sz="2000" b="1" dirty="0">
-                <a:solidFill>
-                  <a:srgbClr val="1B0135"/>
-                </a:solidFill>
-              </a:rPr>
-              <a:t>Результаты анализа</a:t>
-            </a:r>
-          </a:p>
-          <a:p>
-            <a:endParaRPr lang="ru-RU" sz="1100" b="1" dirty="0">
-              <a:solidFill>
-                <a:srgbClr val="1B0135"/>
-              </a:solidFill>
-            </a:endParaRPr>
-          </a:p>
-          <a:p>
-            <a:r>
-              <a:rPr lang="ru-RU" sz="1100" dirty="0">
-                <a:solidFill>
-                  <a:srgbClr val="1B0135"/>
-                </a:solidFill>
-              </a:rPr>
-              <a:t>Исходя из проведенного анализа можно сделать вывод, что средний размер чаевых в зависимости от количества пассажиров меньше всего в группе из 4х пассажиров (1,93 доллара). В группах без пассажиров и с 3 пассажирами размер чаевых выше на ~ 5% и составляет 2,02 и 2,04 доллара соответственно. В остальных 4х группах среднее значение чаевых выше еще ~ на 5% и составляет 2,12-2,13 долларов.</a:t>
-            </a:r>
-          </a:p>
-          <a:p>
-            <a:r>
-              <a:rPr lang="ru-RU" sz="1100" dirty="0">
-                <a:solidFill>
-                  <a:srgbClr val="1B0135"/>
-                </a:solidFill>
-              </a:rPr>
-              <a:t>Средняя дистнация пройденная разными группами пассажиров различается также в пределах 10%, при этом минимальное значение у группы без пассажиров (2,58 км) и максимальное значение у групп с 4 и 2мя пассажирами (2,81 и 2,83 долларов соответственно).</a:t>
-            </a:r>
-            <a:endParaRPr lang="en-US" sz="1100" dirty="0">
-              <a:solidFill>
-                <a:srgbClr val="1B0135"/>
-              </a:solidFill>
-            </a:endParaRPr>
-          </a:p>
-          <a:p>
-            <a:endParaRPr lang="ru-RU" sz="1100" dirty="0">
-              <a:solidFill>
-                <a:srgbClr val="1B0135"/>
-              </a:solidFill>
-            </a:endParaRPr>
-          </a:p>
-          <a:p>
-            <a:r>
-              <a:rPr lang="ru-RU" sz="1100" dirty="0">
-                <a:solidFill>
-                  <a:srgbClr val="1B0135"/>
-                </a:solidFill>
-              </a:rPr>
-              <a:t>На основании тепловой карты можно увидеть, что с увеличением пройденного расстояния увеличивается размер чаевых при этом наибольший размер чаевых пассажиры склонных оставлять на дистанции 15-20 километров у всех груп пассажиров, кроме группы из 4х пассажиров. </a:t>
-            </a:r>
-            <a:endParaRPr lang="en-US" sz="1100" dirty="0">
-              <a:solidFill>
-                <a:srgbClr val="1B0135"/>
-              </a:solidFill>
-            </a:endParaRPr>
-          </a:p>
-          <a:p>
-            <a:r>
-              <a:rPr lang="ru-RU" sz="1100" dirty="0">
-                <a:solidFill>
-                  <a:srgbClr val="1B0135"/>
-                </a:solidFill>
-              </a:rPr>
-              <a:t>У всех групп пассажиров, наименьшее значение чаевых при поездках менее 1 км.</a:t>
-            </a:r>
-          </a:p>
-          <a:p>
-            <a:r>
-              <a:rPr lang="ru-RU" sz="1100" dirty="0">
-                <a:solidFill>
-                  <a:srgbClr val="1B0135"/>
-                </a:solidFill>
-              </a:rPr>
-              <a:t>У группы из 4х пассажиров размеры чаевых меньше на любой анализируемой пройденной дистанции, чем у любой из других групп. </a:t>
-            </a:r>
-          </a:p>
-          <a:p>
-            <a:endParaRPr lang="en-US" sz="1100" dirty="0">
-              <a:solidFill>
-                <a:srgbClr val="1B0135"/>
-              </a:solidFill>
-            </a:endParaRPr>
-          </a:p>
-          <a:p>
-            <a:r>
-              <a:rPr lang="ru-RU" sz="1100" dirty="0">
-                <a:solidFill>
-                  <a:srgbClr val="1B0135"/>
-                </a:solidFill>
-              </a:rPr>
-              <a:t>Наибольшее число чаевых можно ожидать от групп пассажиров, состоящих из 1, 5 и 6 пассажиров при поездке в диапазоне 15-20км.</a:t>
-            </a:r>
-            <a:endParaRPr lang="en-US" sz="1100" dirty="0">
-              <a:solidFill>
-                <a:srgbClr val="1B0135"/>
-              </a:solidFill>
-            </a:endParaRPr>
-          </a:p>
-        </p:txBody>
-      </p:sp>
       <p:pic>
         <p:nvPicPr>
-          <p:cNvPr id="10" name="Picture 9">
-            <a:extLst>
-              <a:ext uri="{FF2B5EF4-FFF2-40B4-BE49-F238E27FC236}">
-                <a16:creationId xmlns:a16="http://schemas.microsoft.com/office/drawing/2014/main" id="{A5393472-3847-44DC-A55D-E66E711442F8}"/>
+          <p:cNvPr id="5" name="Picture 4">
+            <a:extLst>
+              <a:ext uri="{FF2B5EF4-FFF2-40B4-BE49-F238E27FC236}">
+                <a16:creationId xmlns:a16="http://schemas.microsoft.com/office/drawing/2014/main" id="{2335068D-CF50-4FB8-9727-EB5C85347AC0}"/>
               </a:ext>
             </a:extLst>
           </p:cNvPr>
@@ -7014,14 +6784,492 @@
         </p:blipFill>
         <p:spPr>
           <a:xfrm>
-            <a:off x="0" y="9029"/>
-            <a:ext cx="682752" cy="6858000"/>
+            <a:off x="961023" y="1240344"/>
+            <a:ext cx="3467542" cy="920576"/>
           </a:xfrm>
           <a:prstGeom prst="rect">
             <a:avLst/>
           </a:prstGeom>
         </p:spPr>
       </p:pic>
+      <p:sp>
+        <p:nvSpPr>
+          <p:cNvPr id="6" name="TextBox 5">
+            <a:extLst>
+              <a:ext uri="{FF2B5EF4-FFF2-40B4-BE49-F238E27FC236}">
+                <a16:creationId xmlns:a16="http://schemas.microsoft.com/office/drawing/2014/main" id="{560917EB-EA2D-4C61-BFC2-8123B948337D}"/>
+              </a:ext>
+            </a:extLst>
+          </p:cNvPr>
+          <p:cNvSpPr txBox="1"/>
+          <p:nvPr/>
+        </p:nvSpPr>
+        <p:spPr>
+          <a:xfrm>
+            <a:off x="869576" y="107576"/>
+            <a:ext cx="4491318" cy="369332"/>
+          </a:xfrm>
+          <a:prstGeom prst="rect">
+            <a:avLst/>
+          </a:prstGeom>
+          <a:noFill/>
+        </p:spPr>
+        <p:txBody>
+          <a:bodyPr wrap="square" rtlCol="0">
+            <a:spAutoFit/>
+          </a:bodyPr>
+          <a:lstStyle/>
+          <a:p>
+            <a:r>
+              <a:rPr lang="ru-RU" b="1" dirty="0"/>
+              <a:t>Результаты анализа. Часть 1</a:t>
+            </a:r>
+            <a:r>
+              <a:rPr lang="en-US" b="1" dirty="0"/>
+              <a:t>:</a:t>
+            </a:r>
+            <a:endParaRPr lang="ru-RU" b="1" dirty="0"/>
+          </a:p>
+        </p:txBody>
+      </p:sp>
+      <p:sp>
+        <p:nvSpPr>
+          <p:cNvPr id="7" name="TextBox 6">
+            <a:extLst>
+              <a:ext uri="{FF2B5EF4-FFF2-40B4-BE49-F238E27FC236}">
+                <a16:creationId xmlns:a16="http://schemas.microsoft.com/office/drawing/2014/main" id="{14BD8E45-41F8-48B6-9ED0-1E0F04D09D32}"/>
+              </a:ext>
+            </a:extLst>
+          </p:cNvPr>
+          <p:cNvSpPr txBox="1"/>
+          <p:nvPr/>
+        </p:nvSpPr>
+        <p:spPr>
+          <a:xfrm>
+            <a:off x="6975410" y="2101382"/>
+            <a:ext cx="4255567" cy="3323987"/>
+          </a:xfrm>
+          <a:prstGeom prst="rect">
+            <a:avLst/>
+          </a:prstGeom>
+          <a:noFill/>
+        </p:spPr>
+        <p:txBody>
+          <a:bodyPr wrap="square" rtlCol="0">
+            <a:spAutoFit/>
+          </a:bodyPr>
+          <a:lstStyle/>
+          <a:p>
+            <a:pPr marL="0" marR="0" lvl="0" indent="0" algn="l" defTabSz="914400" rtl="0" eaLnBrk="1" fontAlgn="auto" latinLnBrk="0" hangingPunct="1">
+              <a:lnSpc>
+                <a:spcPct val="100000"/>
+              </a:lnSpc>
+              <a:spcBef>
+                <a:spcPts val="0"/>
+              </a:spcBef>
+              <a:spcAft>
+                <a:spcPts val="0"/>
+              </a:spcAft>
+              <a:buClrTx/>
+              <a:buSzTx/>
+              <a:buFontTx/>
+              <a:buNone/>
+              <a:tabLst/>
+              <a:defRPr/>
+            </a:pPr>
+            <a:r>
+              <a:rPr kumimoji="0" lang="ru-RU" sz="1400" b="0" i="0" u="none" strike="noStrike" kern="1200" cap="none" spc="0" normalizeH="0" baseline="0" noProof="0" dirty="0">
+                <a:ln>
+                  <a:noFill/>
+                </a:ln>
+                <a:solidFill>
+                  <a:srgbClr val="1B0135"/>
+                </a:solidFill>
+                <a:effectLst/>
+                <a:uLnTx/>
+                <a:uFillTx/>
+                <a:latin typeface="Calibri" panose="020F0502020204030204"/>
+                <a:ea typeface="+mn-ea"/>
+                <a:cs typeface="+mn-cs"/>
+              </a:rPr>
+              <a:t>Исходя из проведенного анализа можно сделать вывод, что средний размер чаевых в зависимости от количества пассажиров меньше всего в группе из 4х пассажиров (1,93 доллара). В группах без пассажиров и с 3 пассажирами размер чаевых выше на ~ 5% и составляет 2,02 и 2,04 доллара соответственно. В остальных 4х группах среднее значение чаевых выше еще ~ на 5% и составляет 2,12-2,13 долларов.</a:t>
+            </a:r>
+          </a:p>
+          <a:p>
+            <a:pPr marL="0" marR="0" lvl="0" indent="0" algn="l" defTabSz="914400" rtl="0" eaLnBrk="1" fontAlgn="auto" latinLnBrk="0" hangingPunct="1">
+              <a:lnSpc>
+                <a:spcPct val="100000"/>
+              </a:lnSpc>
+              <a:spcBef>
+                <a:spcPts val="0"/>
+              </a:spcBef>
+              <a:spcAft>
+                <a:spcPts val="0"/>
+              </a:spcAft>
+              <a:buClrTx/>
+              <a:buSzTx/>
+              <a:buFontTx/>
+              <a:buNone/>
+              <a:tabLst/>
+              <a:defRPr/>
+            </a:pPr>
+            <a:r>
+              <a:rPr kumimoji="0" lang="ru-RU" sz="1400" b="0" i="0" u="none" strike="noStrike" kern="1200" cap="none" spc="0" normalizeH="0" baseline="0" noProof="0" dirty="0">
+                <a:ln>
+                  <a:noFill/>
+                </a:ln>
+                <a:solidFill>
+                  <a:srgbClr val="1B0135"/>
+                </a:solidFill>
+                <a:effectLst/>
+                <a:uLnTx/>
+                <a:uFillTx/>
+                <a:latin typeface="Calibri" panose="020F0502020204030204"/>
+                <a:ea typeface="+mn-ea"/>
+                <a:cs typeface="+mn-cs"/>
+              </a:rPr>
+              <a:t>Средняя дистнация пройденная разными группами пассажиров различается также в пределах 10%, при этом минимальное значение у группы без пассажиров (2,58 км) и максимальное значение у групп с 4 и 2мя пассажирами (2,81 и 2,83 долларов соответственно).</a:t>
+            </a:r>
+            <a:endParaRPr kumimoji="0" lang="en-US" sz="1400" b="0" i="0" u="none" strike="noStrike" kern="1200" cap="none" spc="0" normalizeH="0" baseline="0" noProof="0" dirty="0">
+              <a:ln>
+                <a:noFill/>
+              </a:ln>
+              <a:solidFill>
+                <a:srgbClr val="1B0135"/>
+              </a:solidFill>
+              <a:effectLst/>
+              <a:uLnTx/>
+              <a:uFillTx/>
+              <a:latin typeface="Calibri" panose="020F0502020204030204"/>
+              <a:ea typeface="+mn-ea"/>
+              <a:cs typeface="+mn-cs"/>
+            </a:endParaRPr>
+          </a:p>
+        </p:txBody>
+      </p:sp>
+    </p:spTree>
+    <p:extLst>
+      <p:ext uri="{BB962C8B-B14F-4D97-AF65-F5344CB8AC3E}">
+        <p14:creationId xmlns:p14="http://schemas.microsoft.com/office/powerpoint/2010/main" val="235822823"/>
+      </p:ext>
+    </p:extLst>
+  </p:cSld>
+  <p:clrMapOvr>
+    <a:masterClrMapping/>
+  </p:clrMapOvr>
+</p:sld>
+</file>
+
+<file path=ppt/slides/slide8.xml><?xml version="1.0" encoding="utf-8"?>
+<p:sld xmlns:a="http://schemas.openxmlformats.org/drawingml/2006/main" xmlns:r="http://schemas.openxmlformats.org/officeDocument/2006/relationships" xmlns:p="http://schemas.openxmlformats.org/presentationml/2006/main">
+  <p:cSld>
+    <p:spTree>
+      <p:nvGrpSpPr>
+        <p:cNvPr id="1" name=""/>
+        <p:cNvGrpSpPr/>
+        <p:nvPr/>
+      </p:nvGrpSpPr>
+      <p:grpSpPr>
+        <a:xfrm>
+          <a:off x="0" y="0"/>
+          <a:ext cx="0" cy="0"/>
+          <a:chOff x="0" y="0"/>
+          <a:chExt cx="0" cy="0"/>
+        </a:xfrm>
+      </p:grpSpPr>
+      <p:pic>
+        <p:nvPicPr>
+          <p:cNvPr id="9" name="Picture 8">
+            <a:extLst>
+              <a:ext uri="{FF2B5EF4-FFF2-40B4-BE49-F238E27FC236}">
+                <a16:creationId xmlns:a16="http://schemas.microsoft.com/office/drawing/2014/main" id="{50373A1F-405C-4F7B-8349-CECB4DE7F815}"/>
+              </a:ext>
+            </a:extLst>
+          </p:cNvPr>
+          <p:cNvPicPr>
+            <a:picLocks noChangeAspect="1"/>
+          </p:cNvPicPr>
+          <p:nvPr/>
+        </p:nvPicPr>
+        <p:blipFill>
+          <a:blip r:embed="rId3"/>
+          <a:stretch>
+            <a:fillRect/>
+          </a:stretch>
+        </p:blipFill>
+        <p:spPr>
+          <a:xfrm>
+            <a:off x="0" y="0"/>
+            <a:ext cx="12192000" cy="6857999"/>
+          </a:xfrm>
+          <a:prstGeom prst="rect">
+            <a:avLst/>
+          </a:prstGeom>
+        </p:spPr>
+      </p:pic>
+      <p:sp>
+        <p:nvSpPr>
+          <p:cNvPr id="5" name="TextBox 4">
+            <a:extLst>
+              <a:ext uri="{FF2B5EF4-FFF2-40B4-BE49-F238E27FC236}">
+                <a16:creationId xmlns:a16="http://schemas.microsoft.com/office/drawing/2014/main" id="{66C54240-C7E9-48A2-BB06-E9BD64676E7C}"/>
+              </a:ext>
+            </a:extLst>
+          </p:cNvPr>
+          <p:cNvSpPr txBox="1"/>
+          <p:nvPr/>
+        </p:nvSpPr>
+        <p:spPr>
+          <a:xfrm>
+            <a:off x="3934691" y="377248"/>
+            <a:ext cx="8257309" cy="584775"/>
+          </a:xfrm>
+          <a:prstGeom prst="rect">
+            <a:avLst/>
+          </a:prstGeom>
+          <a:noFill/>
+        </p:spPr>
+        <p:txBody>
+          <a:bodyPr wrap="square" rtlCol="0">
+            <a:spAutoFit/>
+          </a:bodyPr>
+          <a:lstStyle/>
+          <a:p>
+            <a:pPr algn="r"/>
+            <a:r>
+              <a:rPr lang="ru-RU" sz="1600" b="1" dirty="0">
+                <a:solidFill>
+                  <a:srgbClr val="1B0135"/>
+                </a:solidFill>
+              </a:rPr>
+              <a:t>Все поездки распределены на группы, в зависимости от пройденного расстояния.</a:t>
+            </a:r>
+          </a:p>
+          <a:p>
+            <a:pPr algn="r"/>
+            <a:r>
+              <a:rPr lang="ru-RU" sz="1600" b="1" dirty="0">
+                <a:solidFill>
+                  <a:srgbClr val="1B0135"/>
+                </a:solidFill>
+              </a:rPr>
+              <a:t>Для визуализации полученных значений построена тепловая карта</a:t>
+            </a:r>
+            <a:endParaRPr lang="en-US" sz="1600" b="1" dirty="0">
+              <a:solidFill>
+                <a:srgbClr val="1B0135"/>
+              </a:solidFill>
+            </a:endParaRPr>
+          </a:p>
+        </p:txBody>
+      </p:sp>
+      <p:pic>
+        <p:nvPicPr>
+          <p:cNvPr id="7" name="Picture 6">
+            <a:extLst>
+              <a:ext uri="{FF2B5EF4-FFF2-40B4-BE49-F238E27FC236}">
+                <a16:creationId xmlns:a16="http://schemas.microsoft.com/office/drawing/2014/main" id="{6EAE26DD-8F27-4AB0-92F0-2E44D1BA4316}"/>
+              </a:ext>
+            </a:extLst>
+          </p:cNvPr>
+          <p:cNvPicPr>
+            <a:picLocks noChangeAspect="1"/>
+          </p:cNvPicPr>
+          <p:nvPr/>
+        </p:nvPicPr>
+        <p:blipFill rotWithShape="1">
+          <a:blip r:embed="rId4"/>
+          <a:srcRect l="26617" t="33974" r="23775" b="13941"/>
+          <a:stretch/>
+        </p:blipFill>
+        <p:spPr>
+          <a:xfrm>
+            <a:off x="3621740" y="1126836"/>
+            <a:ext cx="8570260" cy="5061528"/>
+          </a:xfrm>
+          <a:prstGeom prst="rect">
+            <a:avLst/>
+          </a:prstGeom>
+        </p:spPr>
+      </p:pic>
+      <p:sp>
+        <p:nvSpPr>
+          <p:cNvPr id="8" name="TextBox 7">
+            <a:extLst>
+              <a:ext uri="{FF2B5EF4-FFF2-40B4-BE49-F238E27FC236}">
+                <a16:creationId xmlns:a16="http://schemas.microsoft.com/office/drawing/2014/main" id="{9909D1CF-E750-4D33-B2BE-9A6736FF4EDF}"/>
+              </a:ext>
+            </a:extLst>
+          </p:cNvPr>
+          <p:cNvSpPr txBox="1"/>
+          <p:nvPr/>
+        </p:nvSpPr>
+        <p:spPr>
+          <a:xfrm>
+            <a:off x="738539" y="838131"/>
+            <a:ext cx="2827413" cy="5386090"/>
+          </a:xfrm>
+          <a:prstGeom prst="rect">
+            <a:avLst/>
+          </a:prstGeom>
+          <a:noFill/>
+        </p:spPr>
+        <p:txBody>
+          <a:bodyPr wrap="square" rtlCol="0">
+            <a:spAutoFit/>
+          </a:bodyPr>
+          <a:lstStyle/>
+          <a:p>
+            <a:endParaRPr lang="ru-RU" sz="1100" b="1" dirty="0">
+              <a:solidFill>
+                <a:srgbClr val="1B0135"/>
+              </a:solidFill>
+            </a:endParaRPr>
+          </a:p>
+          <a:p>
+            <a:endParaRPr lang="ru-RU" sz="1100" dirty="0">
+              <a:solidFill>
+                <a:srgbClr val="1B0135"/>
+              </a:solidFill>
+            </a:endParaRPr>
+          </a:p>
+          <a:p>
+            <a:r>
+              <a:rPr lang="ru-RU" sz="1400" dirty="0">
+                <a:solidFill>
+                  <a:srgbClr val="1B0135"/>
+                </a:solidFill>
+              </a:rPr>
+              <a:t>На основании тепловой карты можно увидеть, что с увеличением пройденного расстояния увеличивается размер чаевых при этом наибольший размер чаевых пассажиры склонных оставлять на дистанции 15-20 километров у всех груп пассажиров, кроме группы из 4х пассажиров. </a:t>
+            </a:r>
+            <a:endParaRPr lang="en-US" sz="1400" dirty="0">
+              <a:solidFill>
+                <a:srgbClr val="1B0135"/>
+              </a:solidFill>
+            </a:endParaRPr>
+          </a:p>
+          <a:p>
+            <a:r>
+              <a:rPr lang="ru-RU" sz="1400" dirty="0">
+                <a:solidFill>
+                  <a:srgbClr val="1B0135"/>
+                </a:solidFill>
+              </a:rPr>
+              <a:t>У всех групп пассажиров, наименьшее значение чаевых при поездках менее 1 км.</a:t>
+            </a:r>
+          </a:p>
+          <a:p>
+            <a:r>
+              <a:rPr lang="ru-RU" sz="1400" dirty="0">
+                <a:solidFill>
+                  <a:srgbClr val="1B0135"/>
+                </a:solidFill>
+              </a:rPr>
+              <a:t>У группы из 4х пассажиров размеры чаевых меньше на любой анализируемой пройденной дистанции, чем у любой из других групп. </a:t>
+            </a:r>
+          </a:p>
+          <a:p>
+            <a:endParaRPr lang="en-US" sz="1400" dirty="0">
+              <a:solidFill>
+                <a:srgbClr val="1B0135"/>
+              </a:solidFill>
+            </a:endParaRPr>
+          </a:p>
+          <a:p>
+            <a:r>
+              <a:rPr lang="ru-RU" sz="1400" dirty="0">
+                <a:solidFill>
+                  <a:srgbClr val="1B0135"/>
+                </a:solidFill>
+              </a:rPr>
+              <a:t>Наибольшее число чаевых можно ожидать от групп пассажиров, состоящих из 1, 5 и 6 пассажиров при поездке в диапазоне 15-20км.</a:t>
+            </a:r>
+            <a:endParaRPr lang="en-US" sz="1400" dirty="0">
+              <a:solidFill>
+                <a:srgbClr val="1B0135"/>
+              </a:solidFill>
+            </a:endParaRPr>
+          </a:p>
+        </p:txBody>
+      </p:sp>
+      <p:pic>
+        <p:nvPicPr>
+          <p:cNvPr id="10" name="Picture 9">
+            <a:extLst>
+              <a:ext uri="{FF2B5EF4-FFF2-40B4-BE49-F238E27FC236}">
+                <a16:creationId xmlns:a16="http://schemas.microsoft.com/office/drawing/2014/main" id="{A5393472-3847-44DC-A55D-E66E711442F8}"/>
+              </a:ext>
+            </a:extLst>
+          </p:cNvPr>
+          <p:cNvPicPr>
+            <a:picLocks noChangeAspect="1"/>
+          </p:cNvPicPr>
+          <p:nvPr/>
+        </p:nvPicPr>
+        <p:blipFill>
+          <a:blip r:embed="rId5"/>
+          <a:stretch>
+            <a:fillRect/>
+          </a:stretch>
+        </p:blipFill>
+        <p:spPr>
+          <a:xfrm>
+            <a:off x="0" y="9029"/>
+            <a:ext cx="682752" cy="6858000"/>
+          </a:xfrm>
+          <a:prstGeom prst="rect">
+            <a:avLst/>
+          </a:prstGeom>
+        </p:spPr>
+      </p:pic>
+      <p:sp>
+        <p:nvSpPr>
+          <p:cNvPr id="11" name="TextBox 10">
+            <a:extLst>
+              <a:ext uri="{FF2B5EF4-FFF2-40B4-BE49-F238E27FC236}">
+                <a16:creationId xmlns:a16="http://schemas.microsoft.com/office/drawing/2014/main" id="{565DF036-7E29-46BF-8A34-5494493BB353}"/>
+              </a:ext>
+            </a:extLst>
+          </p:cNvPr>
+          <p:cNvSpPr txBox="1"/>
+          <p:nvPr/>
+        </p:nvSpPr>
+        <p:spPr>
+          <a:xfrm>
+            <a:off x="869576" y="107576"/>
+            <a:ext cx="4491318" cy="369332"/>
+          </a:xfrm>
+          <a:prstGeom prst="rect">
+            <a:avLst/>
+          </a:prstGeom>
+          <a:noFill/>
+        </p:spPr>
+        <p:txBody>
+          <a:bodyPr wrap="square" rtlCol="0">
+            <a:spAutoFit/>
+          </a:bodyPr>
+          <a:lstStyle/>
+          <a:p>
+            <a:r>
+              <a:rPr lang="ru-RU" b="1" dirty="0"/>
+              <a:t>Результаты анализа.</a:t>
+            </a:r>
+            <a:r>
+              <a:rPr lang="en-US" b="1" dirty="0"/>
+              <a:t> </a:t>
+            </a:r>
+            <a:r>
+              <a:rPr lang="ru-RU" b="1" dirty="0"/>
+              <a:t>Часть 2</a:t>
+            </a:r>
+            <a:r>
+              <a:rPr lang="en-US" b="1" dirty="0"/>
+              <a:t>:</a:t>
+            </a:r>
+            <a:endParaRPr lang="ru-RU" b="1" dirty="0"/>
+          </a:p>
+        </p:txBody>
+      </p:sp>
     </p:spTree>
     <p:extLst>
       <p:ext uri="{BB962C8B-B14F-4D97-AF65-F5344CB8AC3E}">
